--- a/media/workflow.pptx
+++ b/media/workflow.pptx
@@ -154,10 +154,9 @@
           </a:lstStyle>
           <a:p>
             <a:r>
-              <a:rPr lang="zh-CN" altLang="en-US" smtClean="0"/>
+              <a:rPr lang="zh-CN" altLang="en-US"/>
               <a:t>单击此处编辑母版标题样式</a:t>
             </a:r>
-            <a:endParaRPr lang="zh-CN" altLang="en-US"/>
           </a:p>
         </p:txBody>
       </p:sp>
@@ -219,10 +218,9 @@
           </a:lstStyle>
           <a:p>
             <a:r>
-              <a:rPr lang="zh-CN" altLang="en-US" smtClean="0"/>
+              <a:rPr lang="zh-CN" altLang="en-US"/>
               <a:t>单击此处编辑母版副标题样式</a:t>
             </a:r>
-            <a:endParaRPr lang="zh-CN" altLang="en-US"/>
           </a:p>
         </p:txBody>
       </p:sp>
@@ -243,7 +241,7 @@
           <a:p>
             <a:fld id="{9538E007-353F-4F6F-AAE3-DCCE019D4601}" type="datetimeFigureOut">
               <a:rPr lang="zh-CN" altLang="en-US" smtClean="0"/>
-              <a:t>2018/3/9</a:t>
+              <a:t>2019/2/21</a:t>
             </a:fld>
             <a:endParaRPr lang="zh-CN" altLang="en-US"/>
           </a:p>
@@ -337,10 +335,9 @@
           <a:lstStyle/>
           <a:p>
             <a:r>
-              <a:rPr lang="zh-CN" altLang="en-US" smtClean="0"/>
+              <a:rPr lang="zh-CN" altLang="en-US"/>
               <a:t>单击此处编辑母版标题样式</a:t>
             </a:r>
-            <a:endParaRPr lang="zh-CN" altLang="en-US"/>
           </a:p>
         </p:txBody>
       </p:sp>
@@ -361,38 +358,37 @@
           <a:p>
             <a:pPr lvl="0"/>
             <a:r>
-              <a:rPr lang="zh-CN" altLang="en-US" smtClean="0"/>
+              <a:rPr lang="zh-CN" altLang="en-US"/>
               <a:t>单击此处编辑母版文本样式</a:t>
             </a:r>
           </a:p>
           <a:p>
             <a:pPr lvl="1"/>
             <a:r>
-              <a:rPr lang="zh-CN" altLang="en-US" smtClean="0"/>
+              <a:rPr lang="zh-CN" altLang="en-US"/>
               <a:t>第二级</a:t>
             </a:r>
           </a:p>
           <a:p>
             <a:pPr lvl="2"/>
             <a:r>
-              <a:rPr lang="zh-CN" altLang="en-US" smtClean="0"/>
+              <a:rPr lang="zh-CN" altLang="en-US"/>
               <a:t>第三级</a:t>
             </a:r>
           </a:p>
           <a:p>
             <a:pPr lvl="3"/>
             <a:r>
-              <a:rPr lang="zh-CN" altLang="en-US" smtClean="0"/>
+              <a:rPr lang="zh-CN" altLang="en-US"/>
               <a:t>第四级</a:t>
             </a:r>
           </a:p>
           <a:p>
             <a:pPr lvl="4"/>
             <a:r>
-              <a:rPr lang="zh-CN" altLang="en-US" smtClean="0"/>
+              <a:rPr lang="zh-CN" altLang="en-US"/>
               <a:t>第五级</a:t>
             </a:r>
-            <a:endParaRPr lang="zh-CN" altLang="en-US"/>
           </a:p>
         </p:txBody>
       </p:sp>
@@ -413,7 +409,7 @@
           <a:p>
             <a:fld id="{9538E007-353F-4F6F-AAE3-DCCE019D4601}" type="datetimeFigureOut">
               <a:rPr lang="zh-CN" altLang="en-US" smtClean="0"/>
-              <a:t>2018/3/9</a:t>
+              <a:t>2019/2/21</a:t>
             </a:fld>
             <a:endParaRPr lang="zh-CN" altLang="en-US"/>
           </a:p>
@@ -512,10 +508,9 @@
           <a:lstStyle/>
           <a:p>
             <a:r>
-              <a:rPr lang="zh-CN" altLang="en-US" smtClean="0"/>
+              <a:rPr lang="zh-CN" altLang="en-US"/>
               <a:t>单击此处编辑母版标题样式</a:t>
             </a:r>
-            <a:endParaRPr lang="zh-CN" altLang="en-US"/>
           </a:p>
         </p:txBody>
       </p:sp>
@@ -541,38 +536,37 @@
           <a:p>
             <a:pPr lvl="0"/>
             <a:r>
-              <a:rPr lang="zh-CN" altLang="en-US" smtClean="0"/>
+              <a:rPr lang="zh-CN" altLang="en-US"/>
               <a:t>单击此处编辑母版文本样式</a:t>
             </a:r>
           </a:p>
           <a:p>
             <a:pPr lvl="1"/>
             <a:r>
-              <a:rPr lang="zh-CN" altLang="en-US" smtClean="0"/>
+              <a:rPr lang="zh-CN" altLang="en-US"/>
               <a:t>第二级</a:t>
             </a:r>
           </a:p>
           <a:p>
             <a:pPr lvl="2"/>
             <a:r>
-              <a:rPr lang="zh-CN" altLang="en-US" smtClean="0"/>
+              <a:rPr lang="zh-CN" altLang="en-US"/>
               <a:t>第三级</a:t>
             </a:r>
           </a:p>
           <a:p>
             <a:pPr lvl="3"/>
             <a:r>
-              <a:rPr lang="zh-CN" altLang="en-US" smtClean="0"/>
+              <a:rPr lang="zh-CN" altLang="en-US"/>
               <a:t>第四级</a:t>
             </a:r>
           </a:p>
           <a:p>
             <a:pPr lvl="4"/>
             <a:r>
-              <a:rPr lang="zh-CN" altLang="en-US" smtClean="0"/>
+              <a:rPr lang="zh-CN" altLang="en-US"/>
               <a:t>第五级</a:t>
             </a:r>
-            <a:endParaRPr lang="zh-CN" altLang="en-US"/>
           </a:p>
         </p:txBody>
       </p:sp>
@@ -593,7 +587,7 @@
           <a:p>
             <a:fld id="{9538E007-353F-4F6F-AAE3-DCCE019D4601}" type="datetimeFigureOut">
               <a:rPr lang="zh-CN" altLang="en-US" smtClean="0"/>
-              <a:t>2018/3/9</a:t>
+              <a:t>2019/2/21</a:t>
             </a:fld>
             <a:endParaRPr lang="zh-CN" altLang="en-US"/>
           </a:p>
@@ -687,10 +681,9 @@
           <a:lstStyle/>
           <a:p>
             <a:r>
-              <a:rPr lang="zh-CN" altLang="en-US" smtClean="0"/>
+              <a:rPr lang="zh-CN" altLang="en-US"/>
               <a:t>单击此处编辑母版标题样式</a:t>
             </a:r>
-            <a:endParaRPr lang="zh-CN" altLang="en-US"/>
           </a:p>
         </p:txBody>
       </p:sp>
@@ -711,38 +704,37 @@
           <a:p>
             <a:pPr lvl="0"/>
             <a:r>
-              <a:rPr lang="zh-CN" altLang="en-US" smtClean="0"/>
+              <a:rPr lang="zh-CN" altLang="en-US"/>
               <a:t>单击此处编辑母版文本样式</a:t>
             </a:r>
           </a:p>
           <a:p>
             <a:pPr lvl="1"/>
             <a:r>
-              <a:rPr lang="zh-CN" altLang="en-US" smtClean="0"/>
+              <a:rPr lang="zh-CN" altLang="en-US"/>
               <a:t>第二级</a:t>
             </a:r>
           </a:p>
           <a:p>
             <a:pPr lvl="2"/>
             <a:r>
-              <a:rPr lang="zh-CN" altLang="en-US" smtClean="0"/>
+              <a:rPr lang="zh-CN" altLang="en-US"/>
               <a:t>第三级</a:t>
             </a:r>
           </a:p>
           <a:p>
             <a:pPr lvl="3"/>
             <a:r>
-              <a:rPr lang="zh-CN" altLang="en-US" smtClean="0"/>
+              <a:rPr lang="zh-CN" altLang="en-US"/>
               <a:t>第四级</a:t>
             </a:r>
           </a:p>
           <a:p>
             <a:pPr lvl="4"/>
             <a:r>
-              <a:rPr lang="zh-CN" altLang="en-US" smtClean="0"/>
+              <a:rPr lang="zh-CN" altLang="en-US"/>
               <a:t>第五级</a:t>
             </a:r>
-            <a:endParaRPr lang="zh-CN" altLang="en-US"/>
           </a:p>
         </p:txBody>
       </p:sp>
@@ -763,7 +755,7 @@
           <a:p>
             <a:fld id="{9538E007-353F-4F6F-AAE3-DCCE019D4601}" type="datetimeFigureOut">
               <a:rPr lang="zh-CN" altLang="en-US" smtClean="0"/>
-              <a:t>2018/3/9</a:t>
+              <a:t>2019/2/21</a:t>
             </a:fld>
             <a:endParaRPr lang="zh-CN" altLang="en-US"/>
           </a:p>
@@ -866,10 +858,9 @@
           </a:lstStyle>
           <a:p>
             <a:r>
-              <a:rPr lang="zh-CN" altLang="en-US" smtClean="0"/>
+              <a:rPr lang="zh-CN" altLang="en-US"/>
               <a:t>单击此处编辑母版标题样式</a:t>
             </a:r>
-            <a:endParaRPr lang="zh-CN" altLang="en-US"/>
           </a:p>
         </p:txBody>
       </p:sp>
@@ -986,7 +977,7 @@
           <a:p>
             <a:pPr lvl="0"/>
             <a:r>
-              <a:rPr lang="zh-CN" altLang="en-US" smtClean="0"/>
+              <a:rPr lang="zh-CN" altLang="en-US"/>
               <a:t>单击此处编辑母版文本样式</a:t>
             </a:r>
           </a:p>
@@ -1009,7 +1000,7 @@
           <a:p>
             <a:fld id="{9538E007-353F-4F6F-AAE3-DCCE019D4601}" type="datetimeFigureOut">
               <a:rPr lang="zh-CN" altLang="en-US" smtClean="0"/>
-              <a:t>2018/3/9</a:t>
+              <a:t>2019/2/21</a:t>
             </a:fld>
             <a:endParaRPr lang="zh-CN" altLang="en-US"/>
           </a:p>
@@ -1103,10 +1094,9 @@
           <a:lstStyle/>
           <a:p>
             <a:r>
-              <a:rPr lang="zh-CN" altLang="en-US" smtClean="0"/>
+              <a:rPr lang="zh-CN" altLang="en-US"/>
               <a:t>单击此处编辑母版标题样式</a:t>
             </a:r>
-            <a:endParaRPr lang="zh-CN" altLang="en-US"/>
           </a:p>
         </p:txBody>
       </p:sp>
@@ -1132,38 +1122,37 @@
           <a:p>
             <a:pPr lvl="0"/>
             <a:r>
-              <a:rPr lang="zh-CN" altLang="en-US" smtClean="0"/>
+              <a:rPr lang="zh-CN" altLang="en-US"/>
               <a:t>单击此处编辑母版文本样式</a:t>
             </a:r>
           </a:p>
           <a:p>
             <a:pPr lvl="1"/>
             <a:r>
-              <a:rPr lang="zh-CN" altLang="en-US" smtClean="0"/>
+              <a:rPr lang="zh-CN" altLang="en-US"/>
               <a:t>第二级</a:t>
             </a:r>
           </a:p>
           <a:p>
             <a:pPr lvl="2"/>
             <a:r>
-              <a:rPr lang="zh-CN" altLang="en-US" smtClean="0"/>
+              <a:rPr lang="zh-CN" altLang="en-US"/>
               <a:t>第三级</a:t>
             </a:r>
           </a:p>
           <a:p>
             <a:pPr lvl="3"/>
             <a:r>
-              <a:rPr lang="zh-CN" altLang="en-US" smtClean="0"/>
+              <a:rPr lang="zh-CN" altLang="en-US"/>
               <a:t>第四级</a:t>
             </a:r>
           </a:p>
           <a:p>
             <a:pPr lvl="4"/>
             <a:r>
-              <a:rPr lang="zh-CN" altLang="en-US" smtClean="0"/>
+              <a:rPr lang="zh-CN" altLang="en-US"/>
               <a:t>第五级</a:t>
             </a:r>
-            <a:endParaRPr lang="zh-CN" altLang="en-US"/>
           </a:p>
         </p:txBody>
       </p:sp>
@@ -1189,38 +1178,37 @@
           <a:p>
             <a:pPr lvl="0"/>
             <a:r>
-              <a:rPr lang="zh-CN" altLang="en-US" smtClean="0"/>
+              <a:rPr lang="zh-CN" altLang="en-US"/>
               <a:t>单击此处编辑母版文本样式</a:t>
             </a:r>
           </a:p>
           <a:p>
             <a:pPr lvl="1"/>
             <a:r>
-              <a:rPr lang="zh-CN" altLang="en-US" smtClean="0"/>
+              <a:rPr lang="zh-CN" altLang="en-US"/>
               <a:t>第二级</a:t>
             </a:r>
           </a:p>
           <a:p>
             <a:pPr lvl="2"/>
             <a:r>
-              <a:rPr lang="zh-CN" altLang="en-US" smtClean="0"/>
+              <a:rPr lang="zh-CN" altLang="en-US"/>
               <a:t>第三级</a:t>
             </a:r>
           </a:p>
           <a:p>
             <a:pPr lvl="3"/>
             <a:r>
-              <a:rPr lang="zh-CN" altLang="en-US" smtClean="0"/>
+              <a:rPr lang="zh-CN" altLang="en-US"/>
               <a:t>第四级</a:t>
             </a:r>
           </a:p>
           <a:p>
             <a:pPr lvl="4"/>
             <a:r>
-              <a:rPr lang="zh-CN" altLang="en-US" smtClean="0"/>
+              <a:rPr lang="zh-CN" altLang="en-US"/>
               <a:t>第五级</a:t>
             </a:r>
-            <a:endParaRPr lang="zh-CN" altLang="en-US"/>
           </a:p>
         </p:txBody>
       </p:sp>
@@ -1241,7 +1229,7 @@
           <a:p>
             <a:fld id="{9538E007-353F-4F6F-AAE3-DCCE019D4601}" type="datetimeFigureOut">
               <a:rPr lang="zh-CN" altLang="en-US" smtClean="0"/>
-              <a:t>2018/3/9</a:t>
+              <a:t>2019/2/21</a:t>
             </a:fld>
             <a:endParaRPr lang="zh-CN" altLang="en-US"/>
           </a:p>
@@ -1340,10 +1328,9 @@
           <a:lstStyle/>
           <a:p>
             <a:r>
-              <a:rPr lang="zh-CN" altLang="en-US" smtClean="0"/>
+              <a:rPr lang="zh-CN" altLang="en-US"/>
               <a:t>单击此处编辑母版标题样式</a:t>
             </a:r>
-            <a:endParaRPr lang="zh-CN" altLang="en-US"/>
           </a:p>
         </p:txBody>
       </p:sp>
@@ -1406,7 +1393,7 @@
           <a:p>
             <a:pPr lvl="0"/>
             <a:r>
-              <a:rPr lang="zh-CN" altLang="en-US" smtClean="0"/>
+              <a:rPr lang="zh-CN" altLang="en-US"/>
               <a:t>单击此处编辑母版文本样式</a:t>
             </a:r>
           </a:p>
@@ -1434,38 +1421,37 @@
           <a:p>
             <a:pPr lvl="0"/>
             <a:r>
-              <a:rPr lang="zh-CN" altLang="en-US" smtClean="0"/>
+              <a:rPr lang="zh-CN" altLang="en-US"/>
               <a:t>单击此处编辑母版文本样式</a:t>
             </a:r>
           </a:p>
           <a:p>
             <a:pPr lvl="1"/>
             <a:r>
-              <a:rPr lang="zh-CN" altLang="en-US" smtClean="0"/>
+              <a:rPr lang="zh-CN" altLang="en-US"/>
               <a:t>第二级</a:t>
             </a:r>
           </a:p>
           <a:p>
             <a:pPr lvl="2"/>
             <a:r>
-              <a:rPr lang="zh-CN" altLang="en-US" smtClean="0"/>
+              <a:rPr lang="zh-CN" altLang="en-US"/>
               <a:t>第三级</a:t>
             </a:r>
           </a:p>
           <a:p>
             <a:pPr lvl="3"/>
             <a:r>
-              <a:rPr lang="zh-CN" altLang="en-US" smtClean="0"/>
+              <a:rPr lang="zh-CN" altLang="en-US"/>
               <a:t>第四级</a:t>
             </a:r>
           </a:p>
           <a:p>
             <a:pPr lvl="4"/>
             <a:r>
-              <a:rPr lang="zh-CN" altLang="en-US" smtClean="0"/>
+              <a:rPr lang="zh-CN" altLang="en-US"/>
               <a:t>第五级</a:t>
             </a:r>
-            <a:endParaRPr lang="zh-CN" altLang="en-US"/>
           </a:p>
         </p:txBody>
       </p:sp>
@@ -1528,7 +1514,7 @@
           <a:p>
             <a:pPr lvl="0"/>
             <a:r>
-              <a:rPr lang="zh-CN" altLang="en-US" smtClean="0"/>
+              <a:rPr lang="zh-CN" altLang="en-US"/>
               <a:t>单击此处编辑母版文本样式</a:t>
             </a:r>
           </a:p>
@@ -1556,38 +1542,37 @@
           <a:p>
             <a:pPr lvl="0"/>
             <a:r>
-              <a:rPr lang="zh-CN" altLang="en-US" smtClean="0"/>
+              <a:rPr lang="zh-CN" altLang="en-US"/>
               <a:t>单击此处编辑母版文本样式</a:t>
             </a:r>
           </a:p>
           <a:p>
             <a:pPr lvl="1"/>
             <a:r>
-              <a:rPr lang="zh-CN" altLang="en-US" smtClean="0"/>
+              <a:rPr lang="zh-CN" altLang="en-US"/>
               <a:t>第二级</a:t>
             </a:r>
           </a:p>
           <a:p>
             <a:pPr lvl="2"/>
             <a:r>
-              <a:rPr lang="zh-CN" altLang="en-US" smtClean="0"/>
+              <a:rPr lang="zh-CN" altLang="en-US"/>
               <a:t>第三级</a:t>
             </a:r>
           </a:p>
           <a:p>
             <a:pPr lvl="3"/>
             <a:r>
-              <a:rPr lang="zh-CN" altLang="en-US" smtClean="0"/>
+              <a:rPr lang="zh-CN" altLang="en-US"/>
               <a:t>第四级</a:t>
             </a:r>
           </a:p>
           <a:p>
             <a:pPr lvl="4"/>
             <a:r>
-              <a:rPr lang="zh-CN" altLang="en-US" smtClean="0"/>
+              <a:rPr lang="zh-CN" altLang="en-US"/>
               <a:t>第五级</a:t>
             </a:r>
-            <a:endParaRPr lang="zh-CN" altLang="en-US"/>
           </a:p>
         </p:txBody>
       </p:sp>
@@ -1608,7 +1593,7 @@
           <a:p>
             <a:fld id="{9538E007-353F-4F6F-AAE3-DCCE019D4601}" type="datetimeFigureOut">
               <a:rPr lang="zh-CN" altLang="en-US" smtClean="0"/>
-              <a:t>2018/3/9</a:t>
+              <a:t>2019/2/21</a:t>
             </a:fld>
             <a:endParaRPr lang="zh-CN" altLang="en-US"/>
           </a:p>
@@ -1702,10 +1687,9 @@
           <a:lstStyle/>
           <a:p>
             <a:r>
-              <a:rPr lang="zh-CN" altLang="en-US" smtClean="0"/>
+              <a:rPr lang="zh-CN" altLang="en-US"/>
               <a:t>单击此处编辑母版标题样式</a:t>
             </a:r>
-            <a:endParaRPr lang="zh-CN" altLang="en-US"/>
           </a:p>
         </p:txBody>
       </p:sp>
@@ -1726,7 +1710,7 @@
           <a:p>
             <a:fld id="{9538E007-353F-4F6F-AAE3-DCCE019D4601}" type="datetimeFigureOut">
               <a:rPr lang="zh-CN" altLang="en-US" smtClean="0"/>
-              <a:t>2018/3/9</a:t>
+              <a:t>2019/2/21</a:t>
             </a:fld>
             <a:endParaRPr lang="zh-CN" altLang="en-US"/>
           </a:p>
@@ -1821,7 +1805,7 @@
           <a:p>
             <a:fld id="{9538E007-353F-4F6F-AAE3-DCCE019D4601}" type="datetimeFigureOut">
               <a:rPr lang="zh-CN" altLang="en-US" smtClean="0"/>
-              <a:t>2018/3/9</a:t>
+              <a:t>2019/2/21</a:t>
             </a:fld>
             <a:endParaRPr lang="zh-CN" altLang="en-US"/>
           </a:p>
@@ -1924,10 +1908,9 @@
           </a:lstStyle>
           <a:p>
             <a:r>
-              <a:rPr lang="zh-CN" altLang="en-US" smtClean="0"/>
+              <a:rPr lang="zh-CN" altLang="en-US"/>
               <a:t>单击此处编辑母版标题样式</a:t>
             </a:r>
-            <a:endParaRPr lang="zh-CN" altLang="en-US"/>
           </a:p>
         </p:txBody>
       </p:sp>
@@ -1981,38 +1964,37 @@
           <a:p>
             <a:pPr lvl="0"/>
             <a:r>
-              <a:rPr lang="zh-CN" altLang="en-US" smtClean="0"/>
+              <a:rPr lang="zh-CN" altLang="en-US"/>
               <a:t>单击此处编辑母版文本样式</a:t>
             </a:r>
           </a:p>
           <a:p>
             <a:pPr lvl="1"/>
             <a:r>
-              <a:rPr lang="zh-CN" altLang="en-US" smtClean="0"/>
+              <a:rPr lang="zh-CN" altLang="en-US"/>
               <a:t>第二级</a:t>
             </a:r>
           </a:p>
           <a:p>
             <a:pPr lvl="2"/>
             <a:r>
-              <a:rPr lang="zh-CN" altLang="en-US" smtClean="0"/>
+              <a:rPr lang="zh-CN" altLang="en-US"/>
               <a:t>第三级</a:t>
             </a:r>
           </a:p>
           <a:p>
             <a:pPr lvl="3"/>
             <a:r>
-              <a:rPr lang="zh-CN" altLang="en-US" smtClean="0"/>
+              <a:rPr lang="zh-CN" altLang="en-US"/>
               <a:t>第四级</a:t>
             </a:r>
           </a:p>
           <a:p>
             <a:pPr lvl="4"/>
             <a:r>
-              <a:rPr lang="zh-CN" altLang="en-US" smtClean="0"/>
+              <a:rPr lang="zh-CN" altLang="en-US"/>
               <a:t>第五级</a:t>
             </a:r>
-            <a:endParaRPr lang="zh-CN" altLang="en-US"/>
           </a:p>
         </p:txBody>
       </p:sp>
@@ -2075,7 +2057,7 @@
           <a:p>
             <a:pPr lvl="0"/>
             <a:r>
-              <a:rPr lang="zh-CN" altLang="en-US" smtClean="0"/>
+              <a:rPr lang="zh-CN" altLang="en-US"/>
               <a:t>单击此处编辑母版文本样式</a:t>
             </a:r>
           </a:p>
@@ -2098,7 +2080,7 @@
           <a:p>
             <a:fld id="{9538E007-353F-4F6F-AAE3-DCCE019D4601}" type="datetimeFigureOut">
               <a:rPr lang="zh-CN" altLang="en-US" smtClean="0"/>
-              <a:t>2018/3/9</a:t>
+              <a:t>2019/2/21</a:t>
             </a:fld>
             <a:endParaRPr lang="zh-CN" altLang="en-US"/>
           </a:p>
@@ -2201,10 +2183,9 @@
           </a:lstStyle>
           <a:p>
             <a:r>
-              <a:rPr lang="zh-CN" altLang="en-US" smtClean="0"/>
+              <a:rPr lang="zh-CN" altLang="en-US"/>
               <a:t>单击此处编辑母版标题样式</a:t>
             </a:r>
-            <a:endParaRPr lang="zh-CN" altLang="en-US"/>
           </a:p>
         </p:txBody>
       </p:sp>
@@ -2328,7 +2309,7 @@
           <a:p>
             <a:pPr lvl="0"/>
             <a:r>
-              <a:rPr lang="zh-CN" altLang="en-US" smtClean="0"/>
+              <a:rPr lang="zh-CN" altLang="en-US"/>
               <a:t>单击此处编辑母版文本样式</a:t>
             </a:r>
           </a:p>
@@ -2351,7 +2332,7 @@
           <a:p>
             <a:fld id="{9538E007-353F-4F6F-AAE3-DCCE019D4601}" type="datetimeFigureOut">
               <a:rPr lang="zh-CN" altLang="en-US" smtClean="0"/>
-              <a:t>2018/3/9</a:t>
+              <a:t>2019/2/21</a:t>
             </a:fld>
             <a:endParaRPr lang="zh-CN" altLang="en-US"/>
           </a:p>
@@ -2460,10 +2441,9 @@
           <a:lstStyle/>
           <a:p>
             <a:r>
-              <a:rPr lang="zh-CN" altLang="en-US" smtClean="0"/>
+              <a:rPr lang="zh-CN" altLang="en-US"/>
               <a:t>单击此处编辑母版标题样式</a:t>
             </a:r>
-            <a:endParaRPr lang="zh-CN" altLang="en-US"/>
           </a:p>
         </p:txBody>
       </p:sp>
@@ -2494,38 +2474,37 @@
           <a:p>
             <a:pPr lvl="0"/>
             <a:r>
-              <a:rPr lang="zh-CN" altLang="en-US" smtClean="0"/>
+              <a:rPr lang="zh-CN" altLang="en-US"/>
               <a:t>单击此处编辑母版文本样式</a:t>
             </a:r>
           </a:p>
           <a:p>
             <a:pPr lvl="1"/>
             <a:r>
-              <a:rPr lang="zh-CN" altLang="en-US" smtClean="0"/>
+              <a:rPr lang="zh-CN" altLang="en-US"/>
               <a:t>第二级</a:t>
             </a:r>
           </a:p>
           <a:p>
             <a:pPr lvl="2"/>
             <a:r>
-              <a:rPr lang="zh-CN" altLang="en-US" smtClean="0"/>
+              <a:rPr lang="zh-CN" altLang="en-US"/>
               <a:t>第三级</a:t>
             </a:r>
           </a:p>
           <a:p>
             <a:pPr lvl="3"/>
             <a:r>
-              <a:rPr lang="zh-CN" altLang="en-US" smtClean="0"/>
+              <a:rPr lang="zh-CN" altLang="en-US"/>
               <a:t>第四级</a:t>
             </a:r>
           </a:p>
           <a:p>
             <a:pPr lvl="4"/>
             <a:r>
-              <a:rPr lang="zh-CN" altLang="en-US" smtClean="0"/>
+              <a:rPr lang="zh-CN" altLang="en-US"/>
               <a:t>第五级</a:t>
             </a:r>
-            <a:endParaRPr lang="zh-CN" altLang="en-US"/>
           </a:p>
         </p:txBody>
       </p:sp>
@@ -2564,7 +2543,7 @@
           <a:p>
             <a:fld id="{9538E007-353F-4F6F-AAE3-DCCE019D4601}" type="datetimeFigureOut">
               <a:rPr lang="zh-CN" altLang="en-US" smtClean="0"/>
-              <a:t>2018/3/9</a:t>
+              <a:t>2019/2/21</a:t>
             </a:fld>
             <a:endParaRPr lang="zh-CN" altLang="en-US"/>
           </a:p>
@@ -3023,16 +3002,12 @@
             <a:p>
               <a:pPr algn="ctr"/>
               <a:r>
-                <a:rPr lang="zh-CN" altLang="en-US" sz="1400" dirty="0" smtClean="0">
+                <a:rPr lang="zh-CN" altLang="en-US" sz="1400" dirty="0">
                   <a:latin typeface="微软雅黑" panose="020B0503020204020204" pitchFamily="34" charset="-122"/>
                   <a:ea typeface="微软雅黑" panose="020B0503020204020204" pitchFamily="34" charset="-122"/>
                 </a:rPr>
                 <a:t>数据源管理</a:t>
               </a:r>
-              <a:endParaRPr lang="zh-CN" altLang="en-US" sz="1400" dirty="0">
-                <a:latin typeface="微软雅黑" panose="020B0503020204020204" pitchFamily="34" charset="-122"/>
-                <a:ea typeface="微软雅黑" panose="020B0503020204020204" pitchFamily="34" charset="-122"/>
-              </a:endParaRPr>
             </a:p>
           </p:txBody>
         </p:sp>
@@ -3129,33 +3104,22 @@
                   <a:latin typeface="微软雅黑" panose="020B0503020204020204" pitchFamily="34" charset="-122"/>
                   <a:ea typeface="微软雅黑" panose="020B0503020204020204" pitchFamily="34" charset="-122"/>
                 </a:rPr>
-                <a:t>数据</a:t>
+                <a:t>数据集成</a:t>
               </a:r>
               <a:r>
-                <a:rPr lang="zh-CN" altLang="en-US" sz="1400" dirty="0" smtClean="0">
-                  <a:latin typeface="微软雅黑" panose="020B0503020204020204" pitchFamily="34" charset="-122"/>
-                  <a:ea typeface="微软雅黑" panose="020B0503020204020204" pitchFamily="34" charset="-122"/>
-                </a:rPr>
-                <a:t>集成</a:t>
-              </a:r>
-              <a:r>
-                <a:rPr lang="en-US" altLang="zh-CN" sz="1400" dirty="0" smtClean="0">
+                <a:rPr lang="en-US" altLang="zh-CN" sz="1400" dirty="0">
                   <a:latin typeface="微软雅黑" panose="020B0503020204020204" pitchFamily="34" charset="-122"/>
                   <a:ea typeface="微软雅黑" panose="020B0503020204020204" pitchFamily="34" charset="-122"/>
                 </a:rPr>
                 <a:t>/</a:t>
               </a:r>
               <a:r>
-                <a:rPr lang="zh-CN" altLang="en-US" sz="1400" dirty="0" smtClean="0">
+                <a:rPr lang="zh-CN" altLang="en-US" sz="1400" dirty="0">
                   <a:latin typeface="微软雅黑" panose="020B0503020204020204" pitchFamily="34" charset="-122"/>
                   <a:ea typeface="微软雅黑" panose="020B0503020204020204" pitchFamily="34" charset="-122"/>
                 </a:rPr>
                 <a:t>任务开发</a:t>
               </a:r>
-              <a:endParaRPr lang="zh-CN" altLang="en-US" sz="1400" dirty="0">
-                <a:latin typeface="微软雅黑" panose="020B0503020204020204" pitchFamily="34" charset="-122"/>
-                <a:ea typeface="微软雅黑" panose="020B0503020204020204" pitchFamily="34" charset="-122"/>
-              </a:endParaRPr>
             </a:p>
           </p:txBody>
         </p:sp>
@@ -3199,23 +3163,12 @@
             <a:p>
               <a:pPr algn="ctr"/>
               <a:r>
-                <a:rPr lang="en-US" altLang="zh-CN" sz="1400" dirty="0" smtClean="0">
+                <a:rPr lang="zh-CN" altLang="en-US" sz="1400" dirty="0">
                   <a:latin typeface="微软雅黑" panose="020B0503020204020204" pitchFamily="34" charset="-122"/>
                   <a:ea typeface="微软雅黑" panose="020B0503020204020204" pitchFamily="34" charset="-122"/>
                 </a:rPr>
-                <a:t>BI &amp; </a:t>
+                <a:t>数据报表</a:t>
               </a:r>
-              <a:r>
-                <a:rPr lang="zh-CN" altLang="en-US" sz="1400" dirty="0" smtClean="0">
-                  <a:latin typeface="微软雅黑" panose="020B0503020204020204" pitchFamily="34" charset="-122"/>
-                  <a:ea typeface="微软雅黑" panose="020B0503020204020204" pitchFamily="34" charset="-122"/>
-                </a:rPr>
-                <a:t>报表</a:t>
-              </a:r>
-              <a:endParaRPr lang="zh-CN" altLang="en-US" sz="1400" dirty="0">
-                <a:latin typeface="微软雅黑" panose="020B0503020204020204" pitchFamily="34" charset="-122"/>
-                <a:ea typeface="微软雅黑" panose="020B0503020204020204" pitchFamily="34" charset="-122"/>
-              </a:endParaRPr>
             </a:p>
           </p:txBody>
         </p:sp>
@@ -3311,7 +3264,7 @@
             <a:p>
               <a:pPr algn="ctr"/>
               <a:r>
-                <a:rPr lang="zh-CN" altLang="en-US" sz="1400" dirty="0" smtClean="0">
+                <a:rPr lang="zh-CN" altLang="en-US" sz="1400" dirty="0">
                   <a:solidFill>
                     <a:schemeClr val="tx1"/>
                   </a:solidFill>
@@ -3320,13 +3273,6 @@
                 </a:rPr>
                 <a:t>添加数据源</a:t>
               </a:r>
-              <a:endParaRPr lang="zh-CN" altLang="en-US" sz="1400" dirty="0">
-                <a:solidFill>
-                  <a:schemeClr val="tx1"/>
-                </a:solidFill>
-                <a:latin typeface="微软雅黑" panose="020B0503020204020204" pitchFamily="34" charset="-122"/>
-                <a:ea typeface="微软雅黑" panose="020B0503020204020204" pitchFamily="34" charset="-122"/>
-              </a:endParaRPr>
             </a:p>
           </p:txBody>
         </p:sp>
@@ -3373,7 +3319,7 @@
             <a:p>
               <a:pPr algn="ctr"/>
               <a:r>
-                <a:rPr lang="zh-CN" altLang="en-US" sz="1400" dirty="0" smtClean="0">
+                <a:rPr lang="zh-CN" altLang="en-US" sz="1400" dirty="0">
                   <a:solidFill>
                     <a:schemeClr val="tx1"/>
                   </a:solidFill>
@@ -3382,13 +3328,6 @@
                 </a:rPr>
                 <a:t>创建数据集成任务</a:t>
               </a:r>
-              <a:endParaRPr lang="zh-CN" altLang="en-US" sz="1400" dirty="0">
-                <a:solidFill>
-                  <a:schemeClr val="tx1"/>
-                </a:solidFill>
-                <a:latin typeface="微软雅黑" panose="020B0503020204020204" pitchFamily="34" charset="-122"/>
-                <a:ea typeface="微软雅黑" panose="020B0503020204020204" pitchFamily="34" charset="-122"/>
-              </a:endParaRPr>
             </a:p>
           </p:txBody>
         </p:sp>
@@ -3532,7 +3471,7 @@
             <a:p>
               <a:pPr algn="ctr"/>
               <a:r>
-                <a:rPr lang="zh-CN" altLang="en-US" sz="1400" dirty="0" smtClean="0">
+                <a:rPr lang="zh-CN" altLang="en-US" sz="1400" dirty="0">
                   <a:solidFill>
                     <a:schemeClr val="tx1"/>
                   </a:solidFill>
@@ -3541,13 +3480,6 @@
                 </a:rPr>
                 <a:t>创建数据开发任务</a:t>
               </a:r>
-              <a:endParaRPr lang="zh-CN" altLang="en-US" sz="1400" dirty="0">
-                <a:solidFill>
-                  <a:schemeClr val="tx1"/>
-                </a:solidFill>
-                <a:latin typeface="微软雅黑" panose="020B0503020204020204" pitchFamily="34" charset="-122"/>
-                <a:ea typeface="微软雅黑" panose="020B0503020204020204" pitchFamily="34" charset="-122"/>
-              </a:endParaRPr>
             </a:p>
           </p:txBody>
         </p:sp>
@@ -3717,7 +3649,7 @@
             <a:p>
               <a:pPr algn="ctr"/>
               <a:r>
-                <a:rPr lang="zh-CN" altLang="en-US" sz="1400" dirty="0" smtClean="0">
+                <a:rPr lang="zh-CN" altLang="en-US" sz="1400" dirty="0">
                   <a:solidFill>
                     <a:schemeClr val="tx1"/>
                   </a:solidFill>
@@ -3726,13 +3658,6 @@
                 </a:rPr>
                 <a:t>查看导入数据</a:t>
               </a:r>
-              <a:endParaRPr lang="zh-CN" altLang="en-US" sz="1400" dirty="0">
-                <a:solidFill>
-                  <a:schemeClr val="tx1"/>
-                </a:solidFill>
-                <a:latin typeface="微软雅黑" panose="020B0503020204020204" pitchFamily="34" charset="-122"/>
-                <a:ea typeface="微软雅黑" panose="020B0503020204020204" pitchFamily="34" charset="-122"/>
-              </a:endParaRPr>
             </a:p>
           </p:txBody>
         </p:sp>
@@ -3865,19 +3790,9 @@
                   <a:latin typeface="微软雅黑" panose="020B0503020204020204" pitchFamily="34" charset="-122"/>
                   <a:ea typeface="微软雅黑" panose="020B0503020204020204" pitchFamily="34" charset="-122"/>
                 </a:rPr>
-                <a:t>业务</a:t>
+                <a:t>业务系统</a:t>
               </a:r>
-              <a:r>
-                <a:rPr lang="zh-CN" altLang="en-US" sz="1400" dirty="0" smtClean="0">
-                  <a:solidFill>
-                    <a:schemeClr val="tx1"/>
-                  </a:solidFill>
-                  <a:latin typeface="微软雅黑" panose="020B0503020204020204" pitchFamily="34" charset="-122"/>
-                  <a:ea typeface="微软雅黑" panose="020B0503020204020204" pitchFamily="34" charset="-122"/>
-                </a:rPr>
-                <a:t>系统</a:t>
-              </a:r>
-              <a:endParaRPr lang="en-US" altLang="zh-CN" sz="1400" dirty="0" smtClean="0">
+              <a:endParaRPr lang="en-US" altLang="zh-CN" sz="1400" dirty="0">
                 <a:solidFill>
                   <a:schemeClr val="tx1"/>
                 </a:solidFill>
@@ -3888,32 +3803,15 @@
             <a:p>
               <a:pPr algn="ctr"/>
               <a:r>
-                <a:rPr lang="zh-CN" altLang="en-US" sz="1400" dirty="0" smtClean="0">
+                <a:rPr lang="zh-CN" altLang="en-US" sz="1400" dirty="0">
                   <a:solidFill>
                     <a:schemeClr val="tx1"/>
                   </a:solidFill>
                   <a:latin typeface="微软雅黑" panose="020B0503020204020204" pitchFamily="34" charset="-122"/>
                   <a:ea typeface="微软雅黑" panose="020B0503020204020204" pitchFamily="34" charset="-122"/>
                 </a:rPr>
-                <a:t>异构</a:t>
+                <a:t>异构数据</a:t>
               </a:r>
-              <a:r>
-                <a:rPr lang="zh-CN" altLang="en-US" sz="1400" dirty="0" smtClean="0">
-                  <a:solidFill>
-                    <a:schemeClr val="tx1"/>
-                  </a:solidFill>
-                  <a:latin typeface="微软雅黑" panose="020B0503020204020204" pitchFamily="34" charset="-122"/>
-                  <a:ea typeface="微软雅黑" panose="020B0503020204020204" pitchFamily="34" charset="-122"/>
-                </a:rPr>
-                <a:t>数据</a:t>
-              </a:r>
-              <a:endParaRPr lang="zh-CN" altLang="en-US" sz="1400" dirty="0">
-                <a:solidFill>
-                  <a:schemeClr val="tx1"/>
-                </a:solidFill>
-                <a:latin typeface="微软雅黑" panose="020B0503020204020204" pitchFamily="34" charset="-122"/>
-                <a:ea typeface="微软雅黑" panose="020B0503020204020204" pitchFamily="34" charset="-122"/>
-              </a:endParaRPr>
             </a:p>
           </p:txBody>
         </p:sp>
@@ -4001,7 +3899,7 @@
             <a:p>
               <a:pPr algn="ctr"/>
               <a:r>
-                <a:rPr lang="zh-CN" altLang="en-US" sz="1400" dirty="0" smtClean="0">
+                <a:rPr lang="zh-CN" altLang="en-US" sz="1400" dirty="0">
                   <a:solidFill>
                     <a:schemeClr val="tx1"/>
                   </a:solidFill>
@@ -4010,7 +3908,7 @@
                 </a:rPr>
                 <a:t>数据仓库</a:t>
               </a:r>
-              <a:endParaRPr lang="en-US" altLang="zh-CN" sz="1400" dirty="0" smtClean="0">
+              <a:endParaRPr lang="en-US" altLang="zh-CN" sz="1400" dirty="0">
                 <a:solidFill>
                   <a:schemeClr val="tx1"/>
                 </a:solidFill>
@@ -4021,7 +3919,7 @@
             <a:p>
               <a:pPr algn="ctr"/>
               <a:r>
-                <a:rPr lang="en-US" altLang="zh-CN" sz="1400" dirty="0" smtClean="0">
+                <a:rPr lang="en-US" altLang="zh-CN" sz="1400" dirty="0">
                   <a:solidFill>
                     <a:schemeClr val="tx1"/>
                   </a:solidFill>
@@ -4124,7 +4022,7 @@
             <a:p>
               <a:pPr algn="ctr"/>
               <a:r>
-                <a:rPr lang="zh-CN" altLang="en-US" sz="1400" dirty="0" smtClean="0">
+                <a:rPr lang="zh-CN" altLang="en-US" sz="1400" dirty="0">
                   <a:solidFill>
                     <a:schemeClr val="tx1"/>
                   </a:solidFill>
@@ -4133,13 +4031,6 @@
                 </a:rPr>
                 <a:t>同步表结构到报表库</a:t>
               </a:r>
-              <a:endParaRPr lang="zh-CN" altLang="en-US" sz="1400" dirty="0">
-                <a:solidFill>
-                  <a:schemeClr val="tx1"/>
-                </a:solidFill>
-                <a:latin typeface="微软雅黑" panose="020B0503020204020204" pitchFamily="34" charset="-122"/>
-                <a:ea typeface="微软雅黑" panose="020B0503020204020204" pitchFamily="34" charset="-122"/>
-              </a:endParaRPr>
             </a:p>
           </p:txBody>
         </p:sp>
@@ -4225,7 +4116,7 @@
             <a:p>
               <a:pPr algn="ctr"/>
               <a:r>
-                <a:rPr lang="zh-CN" altLang="en-US" sz="1400" dirty="0" smtClean="0">
+                <a:rPr lang="zh-CN" altLang="en-US" sz="1400" dirty="0">
                   <a:solidFill>
                     <a:schemeClr val="tx1"/>
                   </a:solidFill>
@@ -4234,13 +4125,6 @@
                 </a:rPr>
                 <a:t>同步表数据到报表库</a:t>
               </a:r>
-              <a:endParaRPr lang="zh-CN" altLang="en-US" sz="1400" dirty="0">
-                <a:solidFill>
-                  <a:schemeClr val="tx1"/>
-                </a:solidFill>
-                <a:latin typeface="微软雅黑" panose="020B0503020204020204" pitchFamily="34" charset="-122"/>
-                <a:ea typeface="微软雅黑" panose="020B0503020204020204" pitchFamily="34" charset="-122"/>
-              </a:endParaRPr>
             </a:p>
           </p:txBody>
         </p:sp>
@@ -4288,7 +4172,7 @@
             <a:p>
               <a:pPr algn="ctr"/>
               <a:r>
-                <a:rPr lang="zh-CN" altLang="en-US" sz="1400" dirty="0" smtClean="0">
+                <a:rPr lang="zh-CN" altLang="en-US" sz="1400" dirty="0">
                   <a:solidFill>
                     <a:schemeClr val="tx1"/>
                   </a:solidFill>
@@ -4297,13 +4181,6 @@
                 </a:rPr>
                 <a:t>查看导入数据</a:t>
               </a:r>
-              <a:endParaRPr lang="zh-CN" altLang="en-US" sz="1400" dirty="0">
-                <a:solidFill>
-                  <a:schemeClr val="tx1"/>
-                </a:solidFill>
-                <a:latin typeface="微软雅黑" panose="020B0503020204020204" pitchFamily="34" charset="-122"/>
-                <a:ea typeface="微软雅黑" panose="020B0503020204020204" pitchFamily="34" charset="-122"/>
-              </a:endParaRPr>
             </a:p>
           </p:txBody>
         </p:sp>
@@ -4350,7 +4227,7 @@
             <a:p>
               <a:pPr algn="ctr"/>
               <a:r>
-                <a:rPr lang="zh-CN" altLang="en-US" sz="1400" dirty="0" smtClean="0">
+                <a:rPr lang="zh-CN" altLang="en-US" sz="1400" dirty="0">
                   <a:solidFill>
                     <a:schemeClr val="tx1"/>
                   </a:solidFill>
@@ -4359,13 +4236,6 @@
                 </a:rPr>
                 <a:t>制作报表</a:t>
               </a:r>
-              <a:endParaRPr lang="zh-CN" altLang="en-US" sz="1400" dirty="0">
-                <a:solidFill>
-                  <a:schemeClr val="tx1"/>
-                </a:solidFill>
-                <a:latin typeface="微软雅黑" panose="020B0503020204020204" pitchFamily="34" charset="-122"/>
-                <a:ea typeface="微软雅黑" panose="020B0503020204020204" pitchFamily="34" charset="-122"/>
-              </a:endParaRPr>
             </a:p>
           </p:txBody>
         </p:sp>
@@ -4458,19 +4328,9 @@
                   <a:latin typeface="微软雅黑" panose="020B0503020204020204" pitchFamily="34" charset="-122"/>
                   <a:ea typeface="微软雅黑" panose="020B0503020204020204" pitchFamily="34" charset="-122"/>
                 </a:rPr>
-                <a:t>报表</a:t>
+                <a:t>报表库</a:t>
               </a:r>
-              <a:r>
-                <a:rPr lang="zh-CN" altLang="en-US" sz="1400" dirty="0" smtClean="0">
-                  <a:solidFill>
-                    <a:schemeClr val="tx1"/>
-                  </a:solidFill>
-                  <a:latin typeface="微软雅黑" panose="020B0503020204020204" pitchFamily="34" charset="-122"/>
-                  <a:ea typeface="微软雅黑" panose="020B0503020204020204" pitchFamily="34" charset="-122"/>
-                </a:rPr>
-                <a:t>库</a:t>
-              </a:r>
-              <a:endParaRPr lang="en-US" altLang="zh-CN" sz="1400" dirty="0" smtClean="0">
+              <a:endParaRPr lang="en-US" altLang="zh-CN" sz="1400" dirty="0">
                 <a:solidFill>
                   <a:schemeClr val="tx1"/>
                 </a:solidFill>
@@ -4702,7 +4562,7 @@
             <a:p>
               <a:pPr algn="ctr"/>
               <a:r>
-                <a:rPr lang="zh-CN" altLang="en-US" sz="1400" dirty="0" smtClean="0">
+                <a:rPr lang="zh-CN" altLang="en-US" sz="1400" dirty="0">
                   <a:solidFill>
                     <a:schemeClr val="tx1"/>
                   </a:solidFill>
@@ -4711,13 +4571,6 @@
                 </a:rPr>
                 <a:t>查看任务状态</a:t>
               </a:r>
-              <a:endParaRPr lang="zh-CN" altLang="en-US" sz="1400" dirty="0">
-                <a:solidFill>
-                  <a:schemeClr val="tx1"/>
-                </a:solidFill>
-                <a:latin typeface="微软雅黑" panose="020B0503020204020204" pitchFamily="34" charset="-122"/>
-                <a:ea typeface="微软雅黑" panose="020B0503020204020204" pitchFamily="34" charset="-122"/>
-              </a:endParaRPr>
             </a:p>
           </p:txBody>
         </p:sp>
@@ -4765,7 +4618,7 @@
             <a:p>
               <a:pPr algn="ctr"/>
               <a:r>
-                <a:rPr lang="zh-CN" altLang="en-US" sz="1400" dirty="0" smtClean="0">
+                <a:rPr lang="zh-CN" altLang="en-US" sz="1400" dirty="0">
                   <a:solidFill>
                     <a:schemeClr val="tx1"/>
                   </a:solidFill>
@@ -4774,13 +4627,6 @@
                 </a:rPr>
                 <a:t>查看任务状态</a:t>
               </a:r>
-              <a:endParaRPr lang="zh-CN" altLang="en-US" sz="1400" dirty="0">
-                <a:solidFill>
-                  <a:schemeClr val="tx1"/>
-                </a:solidFill>
-                <a:latin typeface="微软雅黑" panose="020B0503020204020204" pitchFamily="34" charset="-122"/>
-                <a:ea typeface="微软雅黑" panose="020B0503020204020204" pitchFamily="34" charset="-122"/>
-              </a:endParaRPr>
             </a:p>
           </p:txBody>
         </p:sp>
@@ -4956,16 +4802,12 @@
             <a:p>
               <a:pPr algn="ctr"/>
               <a:r>
-                <a:rPr lang="zh-CN" altLang="en-US" sz="1000" dirty="0" smtClean="0">
+                <a:rPr lang="zh-CN" altLang="en-US" sz="1000" dirty="0">
                   <a:latin typeface="微软雅黑" panose="020B0503020204020204" pitchFamily="34" charset="-122"/>
                   <a:ea typeface="微软雅黑" panose="020B0503020204020204" pitchFamily="34" charset="-122"/>
                 </a:rPr>
                 <a:t>应用模块</a:t>
               </a:r>
-              <a:endParaRPr lang="zh-CN" altLang="en-US" sz="1000" dirty="0">
-                <a:latin typeface="微软雅黑" panose="020B0503020204020204" pitchFamily="34" charset="-122"/>
-                <a:ea typeface="微软雅黑" panose="020B0503020204020204" pitchFamily="34" charset="-122"/>
-              </a:endParaRPr>
             </a:p>
           </p:txBody>
         </p:sp>
@@ -5012,7 +4854,7 @@
             <a:p>
               <a:pPr algn="ctr"/>
               <a:r>
-                <a:rPr lang="zh-CN" altLang="en-US" sz="1000" dirty="0" smtClean="0">
+                <a:rPr lang="zh-CN" altLang="en-US" sz="1000" dirty="0">
                   <a:solidFill>
                     <a:schemeClr val="tx1"/>
                   </a:solidFill>
@@ -5021,13 +4863,6 @@
                 </a:rPr>
                 <a:t>过程</a:t>
               </a:r>
-              <a:endParaRPr lang="zh-CN" altLang="en-US" sz="1000" dirty="0">
-                <a:solidFill>
-                  <a:schemeClr val="tx1"/>
-                </a:solidFill>
-                <a:latin typeface="微软雅黑" panose="020B0503020204020204" pitchFamily="34" charset="-122"/>
-                <a:ea typeface="微软雅黑" panose="020B0503020204020204" pitchFamily="34" charset="-122"/>
-              </a:endParaRPr>
             </a:p>
           </p:txBody>
         </p:sp>
@@ -5075,7 +4910,7 @@
             <a:p>
               <a:pPr algn="ctr"/>
               <a:r>
-                <a:rPr lang="zh-CN" altLang="en-US" sz="1000" dirty="0" smtClean="0">
+                <a:rPr lang="zh-CN" altLang="en-US" sz="1000" dirty="0">
                   <a:solidFill>
                     <a:schemeClr val="tx1"/>
                   </a:solidFill>
@@ -5084,13 +4919,6 @@
                 </a:rPr>
                 <a:t>可选过程</a:t>
               </a:r>
-              <a:endParaRPr lang="zh-CN" altLang="en-US" sz="1000" dirty="0">
-                <a:solidFill>
-                  <a:schemeClr val="tx1"/>
-                </a:solidFill>
-                <a:latin typeface="微软雅黑" panose="020B0503020204020204" pitchFamily="34" charset="-122"/>
-                <a:ea typeface="微软雅黑" panose="020B0503020204020204" pitchFamily="34" charset="-122"/>
-              </a:endParaRPr>
             </a:p>
           </p:txBody>
         </p:sp>
@@ -5137,7 +4965,7 @@
             <a:p>
               <a:pPr algn="ctr"/>
               <a:r>
-                <a:rPr lang="zh-CN" altLang="en-US" sz="1000" dirty="0" smtClean="0">
+                <a:rPr lang="zh-CN" altLang="en-US" sz="1000" dirty="0">
                   <a:solidFill>
                     <a:schemeClr val="tx1"/>
                   </a:solidFill>
